--- a/lesson-6/Students materials - 6 - Introduction to test automation.pptx
+++ b/lesson-6/Students materials - 6 - Introduction to test automation.pptx
@@ -254,7 +254,7 @@
             <a:fld id="{C4843D26-F355-3844-A4EF-19D4FD875597}" type="datetimeFigureOut">
               <a:rPr lang="de-DE" smtClean="0"/>
               <a:pPr/>
-              <a:t>12.11.2015</a:t>
+              <a:t>26.11.2015</a:t>
             </a:fld>
             <a:endParaRPr lang="de-DE" dirty="0"/>
           </a:p>
@@ -422,7 +422,7 @@
             <a:fld id="{8E2CFE12-C1FB-D740-8B6C-AFB72D5D4002}" type="datetimeFigureOut">
               <a:rPr lang="de-DE" smtClean="0"/>
               <a:pPr/>
-              <a:t>12.11.2015</a:t>
+              <a:t>26.11.2015</a:t>
             </a:fld>
             <a:endParaRPr lang="de-DE" dirty="0"/>
           </a:p>
@@ -2682,7 +2682,7 @@
           <a:graphicData uri="http://schemas.openxmlformats.org/presentationml/2006/ole">
             <mc:AlternateContent xmlns:mc="http://schemas.openxmlformats.org/markup-compatibility/2006">
               <mc:Choice xmlns:v="urn:schemas-microsoft-com:vml" Requires="v">
-                <p:oleObj spid="_x0000_s2103" name="think-cell Folie" r:id="rId4" imgW="305" imgH="303" progId="TCLayout.ActiveDocument.1">
+                <p:oleObj spid="_x0000_s2105" name="think-cell Folie" r:id="rId4" imgW="305" imgH="303" progId="TCLayout.ActiveDocument.1">
                   <p:embed/>
                 </p:oleObj>
               </mc:Choice>
@@ -3079,7 +3079,7 @@
           <a:graphicData uri="http://schemas.openxmlformats.org/presentationml/2006/ole">
             <mc:AlternateContent xmlns:mc="http://schemas.openxmlformats.org/markup-compatibility/2006">
               <mc:Choice xmlns:v="urn:schemas-microsoft-com:vml" Requires="v">
-                <p:oleObj spid="_x0000_s1083" name="think-cell Folie" r:id="rId13" imgW="305" imgH="303" progId="TCLayout.ActiveDocument.1">
+                <p:oleObj spid="_x0000_s1085" name="think-cell Folie" r:id="rId13" imgW="305" imgH="303" progId="TCLayout.ActiveDocument.1">
                   <p:embed/>
                 </p:oleObj>
               </mc:Choice>
@@ -4515,11 +4515,7 @@
             </a:pPr>
             <a:r>
               <a:rPr lang="en-US" altLang="de-DE" b="1" noProof="0" dirty="0" smtClean="0"/>
-              <a:t>o</a:t>
-            </a:r>
-            <a:r>
-              <a:rPr lang="en-US" altLang="de-DE" b="1" noProof="0" dirty="0" smtClean="0"/>
-              <a:t>pen</a:t>
+              <a:t>open</a:t>
             </a:r>
             <a:r>
               <a:rPr lang="en-US" altLang="de-DE" noProof="0" dirty="0" smtClean="0"/>
@@ -4761,11 +4757,7 @@
             </a:pPr>
             <a:r>
               <a:rPr lang="en-US" altLang="de-DE" noProof="0" dirty="0" smtClean="0"/>
-              <a:t>i</a:t>
-            </a:r>
-            <a:r>
-              <a:rPr lang="en-US" altLang="de-DE" noProof="0" dirty="0" smtClean="0"/>
-              <a:t>d</a:t>
+              <a:t>id</a:t>
             </a:r>
           </a:p>
           <a:p>
@@ -4847,11 +4839,7 @@
             </a:pPr>
             <a:r>
               <a:rPr lang="en-US" altLang="de-DE" noProof="0" dirty="0" smtClean="0"/>
-              <a:t>n</a:t>
-            </a:r>
-            <a:r>
-              <a:rPr lang="en-US" altLang="de-DE" noProof="0" dirty="0" smtClean="0"/>
-              <a:t>ame=</a:t>
+              <a:t>name=</a:t>
             </a:r>
             <a:r>
               <a:rPr lang="en-US" altLang="de-DE" noProof="0" dirty="0" err="1" smtClean="0"/>
@@ -5124,11 +5112,7 @@
             </a:pPr>
             <a:r>
               <a:rPr lang="en-US" altLang="de-DE" noProof="0" dirty="0" smtClean="0"/>
-              <a:t>i</a:t>
-            </a:r>
-            <a:r>
-              <a:rPr lang="en-US" altLang="de-DE" noProof="0" dirty="0" smtClean="0"/>
-              <a:t>d</a:t>
+              <a:t>id</a:t>
             </a:r>
           </a:p>
           <a:p>
@@ -5171,11 +5155,7 @@
             </a:pPr>
             <a:r>
               <a:rPr lang="en-US" altLang="de-DE" noProof="0" dirty="0" err="1" smtClean="0"/>
-              <a:t>x</a:t>
-            </a:r>
-            <a:r>
-              <a:rPr lang="en-US" altLang="de-DE" noProof="0" dirty="0" err="1" smtClean="0"/>
-              <a:t>path</a:t>
+              <a:t>xpath</a:t>
             </a:r>
             <a:endParaRPr lang="en-US" altLang="de-DE" noProof="0" dirty="0" smtClean="0"/>
           </a:p>
@@ -5341,13 +5321,8 @@
             </a:pPr>
             <a:r>
               <a:rPr lang="en-US" altLang="de-DE" noProof="0" dirty="0" smtClean="0"/>
-              <a:t>At some point in test it is required to check if performer actions like submittin</a:t>
-            </a:r>
-            <a:r>
-              <a:rPr lang="en-US" altLang="de-DE" noProof="0" dirty="0" smtClean="0"/>
-              <a:t>g the form results in correct change of application</a:t>
-            </a:r>
-            <a:endParaRPr lang="en-US" altLang="de-DE" noProof="0" dirty="0" smtClean="0"/>
+              <a:t>At some point in test it is required to check if performer actions like submitting the form results in correct change of application</a:t>
+            </a:r>
           </a:p>
           <a:p>
             <a:pPr lvl="1">
@@ -5360,11 +5335,7 @@
             </a:pPr>
             <a:r>
               <a:rPr lang="en-US" altLang="de-DE" b="1" noProof="0" dirty="0" err="1" smtClean="0"/>
-              <a:t>v</a:t>
-            </a:r>
-            <a:r>
-              <a:rPr lang="en-US" altLang="de-DE" b="1" noProof="0" dirty="0" err="1" smtClean="0"/>
-              <a:t>erifyText</a:t>
+              <a:t>verifyText</a:t>
             </a:r>
             <a:r>
               <a:rPr lang="en-US" altLang="de-DE" b="1" noProof="0" dirty="0" smtClean="0"/>
@@ -5396,7 +5367,6 @@
               <a:rPr lang="en-US" altLang="de-DE" noProof="0" dirty="0" smtClean="0"/>
               <a:t>command checks element specified by selector in target property exists in the DOM tree</a:t>
             </a:r>
-            <a:endParaRPr lang="en-US" altLang="de-DE" noProof="0" dirty="0" smtClean="0"/>
           </a:p>
           <a:p>
             <a:pPr>
@@ -5423,11 +5393,7 @@
             </a:pPr>
             <a:r>
               <a:rPr lang="en-US" altLang="de-DE" noProof="0" dirty="0" smtClean="0"/>
-              <a:t>i</a:t>
-            </a:r>
-            <a:r>
-              <a:rPr lang="en-US" altLang="de-DE" noProof="0" dirty="0" smtClean="0"/>
-              <a:t>d</a:t>
+              <a:t>id</a:t>
             </a:r>
           </a:p>
           <a:p>
@@ -5470,11 +5436,7 @@
             </a:pPr>
             <a:r>
               <a:rPr lang="en-US" altLang="de-DE" noProof="0" dirty="0" err="1" smtClean="0"/>
-              <a:t>x</a:t>
-            </a:r>
-            <a:r>
-              <a:rPr lang="en-US" altLang="de-DE" noProof="0" dirty="0" err="1" smtClean="0"/>
-              <a:t>path</a:t>
+              <a:t>xpath</a:t>
             </a:r>
             <a:endParaRPr lang="en-US" altLang="de-DE" noProof="0" dirty="0" smtClean="0"/>
           </a:p>
@@ -5668,11 +5630,7 @@
             </a:pPr>
             <a:r>
               <a:rPr lang="en-US" altLang="de-DE" noProof="0" dirty="0" smtClean="0"/>
-              <a:t>s</a:t>
-            </a:r>
-            <a:r>
-              <a:rPr lang="en-US" altLang="de-DE" noProof="0" dirty="0" smtClean="0"/>
-              <a:t>tore command can be used to store value in the variable under name specified in the value property</a:t>
+              <a:t>store command can be used to store value in the variable under name specified in the value property</a:t>
             </a:r>
           </a:p>
           <a:p>
@@ -5696,7 +5654,6 @@
               <a:rPr lang="en-US" altLang="de-DE" noProof="0" dirty="0" smtClean="0"/>
               <a:t>} statement</a:t>
             </a:r>
-            <a:endParaRPr lang="en-US" altLang="de-DE" noProof="0" dirty="0" smtClean="0"/>
           </a:p>
           <a:p>
             <a:pPr marL="0" indent="0">
@@ -5877,11 +5834,7 @@
             </a:pPr>
             <a:r>
               <a:rPr lang="en-US" altLang="de-DE" noProof="0" dirty="0" err="1" smtClean="0"/>
-              <a:t>v</a:t>
-            </a:r>
-            <a:r>
-              <a:rPr lang="en-US" altLang="de-DE" noProof="0" dirty="0" err="1" smtClean="0"/>
-              <a:t>arius</a:t>
+              <a:t>varius</a:t>
             </a:r>
             <a:r>
               <a:rPr lang="en-US" altLang="de-DE" noProof="0" dirty="0" smtClean="0"/>
@@ -6286,11 +6239,7 @@
           <a:p>
             <a:r>
               <a:rPr lang="en-US" noProof="0" dirty="0" smtClean="0"/>
-              <a:t>Email: Jacek.okrojek</a:t>
-            </a:r>
-            <a:r>
-              <a:rPr lang="en-US" noProof="0" dirty="0" smtClean="0"/>
-              <a:t>@gft.com</a:t>
+              <a:t>Email: Jacek.okrojek@gft.com</a:t>
             </a:r>
           </a:p>
           <a:p>
@@ -6506,23 +6455,14 @@
             <a:pPr lvl="1"/>
             <a:r>
               <a:rPr lang="en-US" noProof="0" dirty="0" smtClean="0"/>
-              <a:t>Smoke tests</a:t>
-            </a:r>
-            <a:r>
-              <a:rPr lang="en-US" noProof="0" dirty="0" smtClean="0"/>
-              <a:t> – smoke test should be executed after each build to ensure that application is stable enough for testing</a:t>
-            </a:r>
-            <a:endParaRPr lang="en-US" noProof="0" dirty="0" smtClean="0"/>
+              <a:t>Smoke tests – smoke test should be executed after each build to ensure that application is stable enough for testing</a:t>
+            </a:r>
           </a:p>
           <a:p>
             <a:pPr lvl="1"/>
             <a:r>
               <a:rPr lang="en-US" noProof="0" dirty="0" smtClean="0"/>
-              <a:t>R</a:t>
-            </a:r>
-            <a:r>
-              <a:rPr lang="en-US" noProof="0" dirty="0" smtClean="0"/>
-              <a:t>egression test – ensuring that old functions were not negatively affected by new features</a:t>
+              <a:t>Regression test – ensuring that old functions were not negatively affected by new features</a:t>
             </a:r>
           </a:p>
           <a:p>
@@ -6532,26 +6472,14 @@
           <a:p>
             <a:r>
               <a:rPr lang="en-US" noProof="0" dirty="0" smtClean="0"/>
-              <a:t>Increase</a:t>
-            </a:r>
-            <a:r>
-              <a:rPr lang="en-US" noProof="0" dirty="0" smtClean="0"/>
-              <a:t> test coverage</a:t>
+              <a:t>Increase test coverage</a:t>
             </a:r>
           </a:p>
           <a:p>
             <a:pPr lvl="1"/>
             <a:r>
               <a:rPr lang="en-US" altLang="de-DE" noProof="0" dirty="0" smtClean="0"/>
-              <a:t>Execution of tests that are difficult </a:t>
-            </a:r>
-            <a:r>
-              <a:rPr lang="en-US" altLang="de-DE" noProof="0" dirty="0" smtClean="0"/>
-              <a:t>or impossible to perform </a:t>
-            </a:r>
-            <a:r>
-              <a:rPr lang="en-US" altLang="de-DE" noProof="0" dirty="0" smtClean="0"/>
-              <a:t>manually (typically this applies to performance, security)</a:t>
+              <a:t>Execution of tests that are difficult or impossible to perform manually (typically this applies to performance, security)</a:t>
             </a:r>
           </a:p>
           <a:p>
@@ -7202,11 +7130,6 @@
               </a:rPr>
               <a:t>Performed on a </a:t>
             </a:r>
-            <a:endParaRPr lang="pl-PL" sz="1400" dirty="0" smtClean="0">
-              <a:solidFill>
-                <a:schemeClr val="accent1"/>
-              </a:solidFill>
-            </a:endParaRPr>
           </a:p>
           <a:p>
             <a:pPr>
@@ -7293,11 +7216,6 @@
               </a:rPr>
               <a:t> </a:t>
             </a:r>
-            <a:endParaRPr lang="pl-PL" sz="1400" dirty="0" smtClean="0">
-              <a:solidFill>
-                <a:schemeClr val="accent1"/>
-              </a:solidFill>
-            </a:endParaRPr>
           </a:p>
           <a:p>
             <a:pPr>
@@ -7314,15 +7232,7 @@
                   <a:schemeClr val="accent1"/>
                 </a:solidFill>
               </a:rPr>
-              <a:t>system </a:t>
-            </a:r>
-            <a:r>
-              <a:rPr lang="pl-PL" sz="1400" dirty="0" smtClean="0">
-                <a:solidFill>
-                  <a:schemeClr val="accent1"/>
-                </a:solidFill>
-              </a:rPr>
-              <a:t>and unit tests</a:t>
+              <a:t>system and unit tests</a:t>
             </a:r>
             <a:endParaRPr lang="en-GB" sz="1400" dirty="0">
               <a:solidFill>
@@ -7864,11 +7774,7 @@
             </a:pPr>
             <a:r>
               <a:rPr lang="en-US" altLang="de-DE" noProof="0" dirty="0" err="1" smtClean="0"/>
-              <a:t>d</a:t>
-            </a:r>
-            <a:r>
-              <a:rPr lang="en-US" altLang="de-DE" noProof="0" dirty="0" err="1" smtClean="0"/>
-              <a:t>iv.rf</a:t>
+              <a:t>div.rf</a:t>
             </a:r>
             <a:r>
               <a:rPr lang="en-US" altLang="de-DE" noProof="0" dirty="0" smtClean="0"/>
@@ -8354,6 +8260,7 @@
               <a:rPr lang="en-US" altLang="de-DE" noProof="0" dirty="0" smtClean="0"/>
               <a:t>"]</a:t>
             </a:r>
+            <a:endParaRPr lang="pl-PL" altLang="de-DE" noProof="0" dirty="0" smtClean="0"/>
           </a:p>
           <a:p>
             <a:pPr lvl="1">
@@ -8364,6 +8271,83 @@
                 <a:spcPts val="300"/>
               </a:spcAft>
             </a:pPr>
+            <a:r>
+              <a:rPr lang="pl-PL" altLang="de-DE" dirty="0" smtClean="0"/>
+              <a:t>//</a:t>
+            </a:r>
+            <a:r>
+              <a:rPr lang="pl-PL" altLang="de-DE" dirty="0" err="1" smtClean="0"/>
+              <a:t>lable</a:t>
+            </a:r>
+            <a:r>
+              <a:rPr lang="pl-PL" altLang="de-DE" dirty="0" smtClean="0"/>
+              <a:t>[</a:t>
+            </a:r>
+            <a:r>
+              <a:rPr lang="pl-PL" altLang="de-DE" dirty="0" err="1" smtClean="0"/>
+              <a:t>text</a:t>
+            </a:r>
+            <a:r>
+              <a:rPr lang="pl-PL" altLang="de-DE" dirty="0" smtClean="0"/>
+              <a:t>()="</a:t>
+            </a:r>
+            <a:r>
+              <a:rPr lang="pl-PL" altLang="de-DE" dirty="0" err="1" smtClean="0"/>
+              <a:t>Your</a:t>
+            </a:r>
+            <a:r>
+              <a:rPr lang="pl-PL" altLang="de-DE" dirty="0" smtClean="0"/>
+              <a:t> </a:t>
+            </a:r>
+            <a:r>
+              <a:rPr lang="pl-PL" altLang="de-DE" dirty="0" err="1" smtClean="0"/>
+              <a:t>first</a:t>
+            </a:r>
+            <a:r>
+              <a:rPr lang="pl-PL" altLang="de-DE" dirty="0" smtClean="0"/>
+              <a:t> </a:t>
+            </a:r>
+            <a:r>
+              <a:rPr lang="pl-PL" altLang="de-DE" dirty="0" err="1" smtClean="0"/>
+              <a:t>name</a:t>
+            </a:r>
+            <a:r>
+              <a:rPr lang="pl-PL" altLang="de-DE" dirty="0" smtClean="0"/>
+              <a:t>"]</a:t>
+            </a:r>
+          </a:p>
+          <a:p>
+            <a:pPr lvl="1">
+              <a:spcBef>
+                <a:spcPts val="0"/>
+              </a:spcBef>
+              <a:spcAft>
+                <a:spcPts val="300"/>
+              </a:spcAft>
+            </a:pPr>
+            <a:r>
+              <a:rPr lang="pl-PL" altLang="de-DE" noProof="0" dirty="0" smtClean="0"/>
+              <a:t>(//</a:t>
+            </a:r>
+            <a:r>
+              <a:rPr lang="pl-PL" altLang="de-DE" noProof="0" dirty="0" err="1" smtClean="0"/>
+              <a:t>button</a:t>
+            </a:r>
+            <a:r>
+              <a:rPr lang="pl-PL" altLang="de-DE" noProof="0" dirty="0" smtClean="0"/>
+              <a:t>)[3]</a:t>
+            </a:r>
+            <a:endParaRPr lang="en-US" altLang="de-DE" noProof="0" dirty="0" smtClean="0"/>
+          </a:p>
+          <a:p>
+            <a:pPr lvl="1">
+              <a:spcBef>
+                <a:spcPts val="0"/>
+              </a:spcBef>
+              <a:spcAft>
+                <a:spcPts val="300"/>
+              </a:spcAft>
+            </a:pPr>
             <a:endParaRPr lang="en-US" altLang="de-DE" noProof="0" dirty="0" smtClean="0"/>
           </a:p>
           <a:p>
@@ -8383,7 +8367,6 @@
               <a:rPr lang="en-US" altLang="de-DE" noProof="0" dirty="0" smtClean="0"/>
               <a:t> allows us to select elements based on its index in the DOM tree</a:t>
             </a:r>
-            <a:endParaRPr lang="en-US" altLang="de-DE" noProof="0" dirty="0" smtClean="0"/>
           </a:p>
           <a:p>
             <a:pPr lvl="1"/>
@@ -8784,11 +8767,7 @@
             </a:r>
             <a:r>
               <a:rPr lang="en-US" altLang="de-DE" noProof="0" dirty="0" smtClean="0"/>
-              <a:t> add</a:t>
-            </a:r>
-            <a:r>
-              <a:rPr lang="en-US" altLang="de-DE" noProof="0" dirty="0" smtClean="0"/>
-              <a:t>-on</a:t>
+              <a:t> add-on</a:t>
             </a:r>
           </a:p>
           <a:p>
